--- a/presentatie/Presentatie hackaton.pptx
+++ b/presentatie/Presentatie hackaton.pptx
@@ -109,6 +109,11 @@
       </a:defRPr>
     </a:lvl9pPr>
   </p:defaultTextStyle>
+  <p:extLst>
+    <p:ext uri="{EFAFB233-063F-42B5-8137-9DF3F51BA10A}">
+      <p15:sldGuideLst xmlns:p15="http://schemas.microsoft.com/office/powerpoint/2012/main"/>
+    </p:ext>
+  </p:extLst>
 </p:presentation>
 </file>
 
@@ -340,7 +345,7 @@
           <a:p>
             <a:fld id="{D57F1E4F-1CFF-5643-939E-02111984F565}" type="slidenum">
               <a:rPr lang="en-US" dirty="0"/>
-              <a:t>‹nr.›</a:t>
+              <a:t>‹#›</a:t>
             </a:fld>
             <a:endParaRPr lang="en-US" dirty="0"/>
           </a:p>
@@ -610,7 +615,7 @@
           <a:p>
             <a:fld id="{D57F1E4F-1CFF-5643-939E-02111984F565}" type="slidenum">
               <a:rPr lang="en-US" dirty="0"/>
-              <a:t>‹nr.›</a:t>
+              <a:t>‹#›</a:t>
             </a:fld>
             <a:endParaRPr lang="en-US" dirty="0"/>
           </a:p>
@@ -799,7 +804,7 @@
           <a:p>
             <a:fld id="{D57F1E4F-1CFF-5643-939E-02111984F565}" type="slidenum">
               <a:rPr lang="en-US" dirty="0"/>
-              <a:t>‹nr.›</a:t>
+              <a:t>‹#›</a:t>
             </a:fld>
             <a:endParaRPr lang="en-US" dirty="0"/>
           </a:p>
@@ -1067,7 +1072,7 @@
           <a:p>
             <a:fld id="{D57F1E4F-1CFF-5643-939E-02111984F565}" type="slidenum">
               <a:rPr lang="en-US" dirty="0"/>
-              <a:t>‹nr.›</a:t>
+              <a:t>‹#›</a:t>
             </a:fld>
             <a:endParaRPr lang="en-US" dirty="0"/>
           </a:p>
@@ -1403,7 +1408,7 @@
           <a:p>
             <a:fld id="{D57F1E4F-1CFF-5643-939E-02111984F565}" type="slidenum">
               <a:rPr lang="en-US" dirty="0"/>
-              <a:t>‹nr.›</a:t>
+              <a:t>‹#›</a:t>
             </a:fld>
             <a:endParaRPr lang="en-US" dirty="0"/>
           </a:p>
@@ -2021,7 +2026,7 @@
           <a:p>
             <a:fld id="{D57F1E4F-1CFF-5643-939E-02111984F565}" type="slidenum">
               <a:rPr lang="en-US" dirty="0"/>
-              <a:t>‹nr.›</a:t>
+              <a:t>‹#›</a:t>
             </a:fld>
             <a:endParaRPr lang="en-US" dirty="0"/>
           </a:p>
@@ -2876,7 +2881,7 @@
           <a:p>
             <a:fld id="{D57F1E4F-1CFF-5643-939E-02111984F565}" type="slidenum">
               <a:rPr lang="en-US" dirty="0"/>
-              <a:t>‹nr.›</a:t>
+              <a:t>‹#›</a:t>
             </a:fld>
             <a:endParaRPr lang="en-US" dirty="0"/>
           </a:p>
@@ -3041,7 +3046,7 @@
           <a:p>
             <a:fld id="{D57F1E4F-1CFF-5643-939E-02111984F565}" type="slidenum">
               <a:rPr lang="en-US" dirty="0"/>
-              <a:t>‹nr.›</a:t>
+              <a:t>‹#›</a:t>
             </a:fld>
             <a:endParaRPr lang="en-US" dirty="0"/>
           </a:p>
@@ -3216,7 +3221,7 @@
           <a:p>
             <a:fld id="{D57F1E4F-1CFF-5643-939E-02111984F565}" type="slidenum">
               <a:rPr lang="en-US" dirty="0"/>
-              <a:t>‹nr.›</a:t>
+              <a:t>‹#›</a:t>
             </a:fld>
             <a:endParaRPr lang="en-US" dirty="0"/>
           </a:p>
@@ -3381,7 +3386,7 @@
           <a:p>
             <a:fld id="{D57F1E4F-1CFF-5643-939E-02111984F565}" type="slidenum">
               <a:rPr lang="en-US" dirty="0"/>
-              <a:t>‹nr.›</a:t>
+              <a:t>‹#›</a:t>
             </a:fld>
             <a:endParaRPr lang="en-US" dirty="0"/>
           </a:p>
@@ -3623,7 +3628,7 @@
           <a:p>
             <a:fld id="{D57F1E4F-1CFF-5643-939E-02111984F565}" type="slidenum">
               <a:rPr lang="en-US" dirty="0"/>
-              <a:t>‹nr.›</a:t>
+              <a:t>‹#›</a:t>
             </a:fld>
             <a:endParaRPr lang="en-US" dirty="0"/>
           </a:p>
@@ -3910,7 +3915,7 @@
           <a:p>
             <a:fld id="{D57F1E4F-1CFF-5643-939E-02111984F565}" type="slidenum">
               <a:rPr lang="en-US" dirty="0"/>
-              <a:t>‹nr.›</a:t>
+              <a:t>‹#›</a:t>
             </a:fld>
             <a:endParaRPr lang="en-US" dirty="0"/>
           </a:p>
@@ -4349,7 +4354,7 @@
           <a:p>
             <a:fld id="{D57F1E4F-1CFF-5643-939E-02111984F565}" type="slidenum">
               <a:rPr lang="en-US" dirty="0"/>
-              <a:t>‹nr.›</a:t>
+              <a:t>‹#›</a:t>
             </a:fld>
             <a:endParaRPr lang="en-US" dirty="0"/>
           </a:p>
@@ -4462,7 +4467,7 @@
           <a:p>
             <a:fld id="{D57F1E4F-1CFF-5643-939E-02111984F565}" type="slidenum">
               <a:rPr lang="en-US" dirty="0"/>
-              <a:t>‹nr.›</a:t>
+              <a:t>‹#›</a:t>
             </a:fld>
             <a:endParaRPr lang="en-US" dirty="0"/>
           </a:p>
@@ -4552,7 +4557,7 @@
           <a:p>
             <a:fld id="{D57F1E4F-1CFF-5643-939E-02111984F565}" type="slidenum">
               <a:rPr lang="en-US" dirty="0"/>
-              <a:t>‹nr.›</a:t>
+              <a:t>‹#›</a:t>
             </a:fld>
             <a:endParaRPr lang="en-US" dirty="0"/>
           </a:p>
@@ -4826,7 +4831,7 @@
           <a:p>
             <a:fld id="{D57F1E4F-1CFF-5643-939E-02111984F565}" type="slidenum">
               <a:rPr lang="en-US" dirty="0"/>
-              <a:t>‹nr.›</a:t>
+              <a:t>‹#›</a:t>
             </a:fld>
             <a:endParaRPr lang="en-US" dirty="0"/>
           </a:p>
@@ -5096,7 +5101,7 @@
           <a:p>
             <a:fld id="{D57F1E4F-1CFF-5643-939E-02111984F565}" type="slidenum">
               <a:rPr lang="en-US" dirty="0"/>
-              <a:t>‹nr.›</a:t>
+              <a:t>‹#›</a:t>
             </a:fld>
             <a:endParaRPr lang="en-US" dirty="0"/>
           </a:p>
@@ -5557,7 +5562,7 @@
           <a:p>
             <a:fld id="{D57F1E4F-1CFF-5643-939E-02111984F565}" type="slidenum">
               <a:rPr lang="en-US" dirty="0"/>
-              <a:t>‹nr.›</a:t>
+              <a:t>‹#›</a:t>
             </a:fld>
             <a:endParaRPr lang="en-US" dirty="0"/>
           </a:p>
@@ -6085,13 +6090,13 @@
   <p:clrMapOvr>
     <a:masterClrMapping/>
   </p:clrMapOvr>
-  <mc:AlternateContent xmlns:mc="http://schemas.openxmlformats.org/markup-compatibility/2006">
-    <mc:Choice xmlns:p14="http://schemas.microsoft.com/office/powerpoint/2010/main" Requires="p14">
+  <mc:AlternateContent xmlns:mc="http://schemas.openxmlformats.org/markup-compatibility/2006" xmlns:p14="http://schemas.microsoft.com/office/powerpoint/2010/main">
+    <mc:Choice Requires="p14">
       <p:transition spd="slow" p14:dur="3400">
         <p14:reveal/>
       </p:transition>
     </mc:Choice>
-    <mc:Fallback>
+    <mc:Fallback xmlns="">
       <p:transition spd="slow">
         <p:fade/>
       </p:transition>
@@ -6689,11 +6694,7 @@
           <a:p>
             <a:r>
               <a:rPr lang="nl-NL" dirty="0"/>
-              <a:t>	</a:t>
-            </a:r>
-            <a:r>
-              <a:rPr lang="nl-NL" dirty="0"/>
-              <a:t>1,7 miljoen </a:t>
+              <a:t>	1,7 miljoen </a:t>
             </a:r>
             <a:r>
               <a:rPr lang="nl-NL" dirty="0" smtClean="0"/>
@@ -6769,13 +6770,13 @@
   <p:clrMapOvr>
     <a:masterClrMapping/>
   </p:clrMapOvr>
-  <mc:AlternateContent xmlns:mc="http://schemas.openxmlformats.org/markup-compatibility/2006">
-    <mc:Choice xmlns:p14="http://schemas.microsoft.com/office/powerpoint/2010/main" Requires="p14">
+  <mc:AlternateContent xmlns:mc="http://schemas.openxmlformats.org/markup-compatibility/2006" xmlns:p14="http://schemas.microsoft.com/office/powerpoint/2010/main">
+    <mc:Choice Requires="p14">
       <p:transition spd="slow" p14:dur="1500">
         <p:split orient="vert"/>
       </p:transition>
     </mc:Choice>
-    <mc:Fallback>
+    <mc:Fallback xmlns="">
       <p:transition spd="slow">
         <p:split orient="vert"/>
       </p:transition>
@@ -6933,13 +6934,13 @@
   <p:clrMapOvr>
     <a:masterClrMapping/>
   </p:clrMapOvr>
-  <mc:AlternateContent xmlns:mc="http://schemas.openxmlformats.org/markup-compatibility/2006">
-    <mc:Choice xmlns:p14="http://schemas.microsoft.com/office/powerpoint/2010/main" Requires="p14">
+  <mc:AlternateContent xmlns:mc="http://schemas.openxmlformats.org/markup-compatibility/2006" xmlns:p14="http://schemas.microsoft.com/office/powerpoint/2010/main">
+    <mc:Choice Requires="p14">
       <p:transition spd="slow">
         <p14:flash/>
       </p:transition>
     </mc:Choice>
-    <mc:Fallback>
+    <mc:Fallback xmlns="">
       <p:transition spd="slow">
         <p:fade/>
       </p:transition>
@@ -7004,7 +7005,9 @@
       </p:sp>
       <p:pic>
         <p:nvPicPr>
-          <p:cNvPr id="7" name="Tijdelijke aanduiding voor inhoud 6"/>
+          <p:cNvPr id="7" name="Tijdelijke aanduiding voor inhoud 6">
+            <a:hlinkClick r:id="rId2" action="ppaction://hlinkfile"/>
+          </p:cNvPr>
           <p:cNvPicPr>
             <a:picLocks noGrp="1" noChangeAspect="1"/>
           </p:cNvPicPr>
@@ -7013,7 +7016,7 @@
           </p:nvPr>
         </p:nvPicPr>
         <p:blipFill>
-          <a:blip r:embed="rId2">
+          <a:blip r:embed="rId3">
             <a:extLst>
               <a:ext uri="{28A0092B-C50C-407E-A947-70E740481C1C}">
                 <a14:useLocalDpi xmlns:a14="http://schemas.microsoft.com/office/drawing/2010/main" val="0"/>
@@ -7041,13 +7044,13 @@
   <p:clrMapOvr>
     <a:masterClrMapping/>
   </p:clrMapOvr>
-  <mc:AlternateContent xmlns:mc="http://schemas.openxmlformats.org/markup-compatibility/2006">
-    <mc:Choice xmlns:p14="http://schemas.microsoft.com/office/powerpoint/2010/main" Requires="p14">
+  <mc:AlternateContent xmlns:mc="http://schemas.openxmlformats.org/markup-compatibility/2006" xmlns:p14="http://schemas.microsoft.com/office/powerpoint/2010/main">
+    <mc:Choice Requires="p14">
       <p:transition spd="slow" p14:dur="1400">
         <p14:ripple/>
       </p:transition>
     </mc:Choice>
-    <mc:Fallback>
+    <mc:Fallback xmlns="">
       <p:transition spd="slow">
         <p:fade/>
       </p:transition>
